--- a/IJCAIpresentation.pptx
+++ b/IJCAIpresentation.pptx
@@ -5,7 +5,7 @@
     <p:sldMasterId id="2147483648" r:id="rId1"/>
   </p:sldMasterIdLst>
   <p:notesMasterIdLst>
-    <p:notesMasterId r:id="rId17"/>
+    <p:notesMasterId r:id="rId16"/>
   </p:notesMasterIdLst>
   <p:sldIdLst>
     <p:sldId id="256" r:id="rId2"/>
@@ -17,12 +17,11 @@
     <p:sldId id="265" r:id="rId8"/>
     <p:sldId id="266" r:id="rId9"/>
     <p:sldId id="270" r:id="rId10"/>
-    <p:sldId id="262" r:id="rId11"/>
-    <p:sldId id="267" r:id="rId12"/>
-    <p:sldId id="268" r:id="rId13"/>
-    <p:sldId id="269" r:id="rId14"/>
-    <p:sldId id="271" r:id="rId15"/>
-    <p:sldId id="263" r:id="rId16"/>
+    <p:sldId id="267" r:id="rId11"/>
+    <p:sldId id="268" r:id="rId12"/>
+    <p:sldId id="269" r:id="rId13"/>
+    <p:sldId id="271" r:id="rId14"/>
+    <p:sldId id="263" r:id="rId15"/>
   </p:sldIdLst>
   <p:sldSz cx="9144000" cy="6858000" type="screen4x3"/>
   <p:notesSz cx="6858000" cy="9144000"/>
@@ -3758,6 +3757,13 @@
         </dgm:presLayoutVars>
       </dgm:prSet>
       <dgm:spPr/>
+      <dgm:t>
+        <a:bodyPr/>
+        <a:lstStyle/>
+        <a:p>
+          <a:endParaRPr lang="en-US"/>
+        </a:p>
+      </dgm:t>
     </dgm:pt>
     <dgm:pt modelId="{9560878C-3EEB-E24E-A5C0-CC4B24B81686}" type="pres">
       <dgm:prSet presAssocID="{3303A1F9-E0AD-8441-82C8-0F9ABAB99F96}" presName="parentLin" presStyleCnt="0"/>
@@ -3766,6 +3772,13 @@
     <dgm:pt modelId="{7F210F09-1C8D-E84A-92ED-47E0961AE62F}" type="pres">
       <dgm:prSet presAssocID="{3303A1F9-E0AD-8441-82C8-0F9ABAB99F96}" presName="parentLeftMargin" presStyleLbl="node1" presStyleIdx="0" presStyleCnt="5"/>
       <dgm:spPr/>
+      <dgm:t>
+        <a:bodyPr/>
+        <a:lstStyle/>
+        <a:p>
+          <a:endParaRPr lang="en-US"/>
+        </a:p>
+      </dgm:t>
     </dgm:pt>
     <dgm:pt modelId="{0315F94D-3035-3547-BD21-0A493322EDC2}" type="pres">
       <dgm:prSet presAssocID="{3303A1F9-E0AD-8441-82C8-0F9ABAB99F96}" presName="parentText" presStyleLbl="node1" presStyleIdx="0" presStyleCnt="5">
@@ -3775,6 +3788,13 @@
         </dgm:presLayoutVars>
       </dgm:prSet>
       <dgm:spPr/>
+      <dgm:t>
+        <a:bodyPr/>
+        <a:lstStyle/>
+        <a:p>
+          <a:endParaRPr lang="en-US"/>
+        </a:p>
+      </dgm:t>
     </dgm:pt>
     <dgm:pt modelId="{D1A6B5BB-A9A1-C74D-8763-C0C8DE58FFDF}" type="pres">
       <dgm:prSet presAssocID="{3303A1F9-E0AD-8441-82C8-0F9ABAB99F96}" presName="negativeSpace" presStyleCnt="0"/>
@@ -3806,6 +3826,13 @@
     <dgm:pt modelId="{C2CE0731-7F63-0742-B29F-336830DF6AB5}" type="pres">
       <dgm:prSet presAssocID="{9A4F070B-5D12-6641-B803-118F43FDD114}" presName="parentLeftMargin" presStyleLbl="node1" presStyleIdx="0" presStyleCnt="5"/>
       <dgm:spPr/>
+      <dgm:t>
+        <a:bodyPr/>
+        <a:lstStyle/>
+        <a:p>
+          <a:endParaRPr lang="en-US"/>
+        </a:p>
+      </dgm:t>
     </dgm:pt>
     <dgm:pt modelId="{3E4B9167-2BC8-DD49-AE9F-3B971DA7FF99}" type="pres">
       <dgm:prSet presAssocID="{9A4F070B-5D12-6641-B803-118F43FDD114}" presName="parentText" presStyleLbl="node1" presStyleIdx="1" presStyleCnt="5">
@@ -3815,6 +3842,13 @@
         </dgm:presLayoutVars>
       </dgm:prSet>
       <dgm:spPr/>
+      <dgm:t>
+        <a:bodyPr/>
+        <a:lstStyle/>
+        <a:p>
+          <a:endParaRPr lang="en-US"/>
+        </a:p>
+      </dgm:t>
     </dgm:pt>
     <dgm:pt modelId="{B9EC984D-8336-304F-9E16-7DF24B8E4DAE}" type="pres">
       <dgm:prSet presAssocID="{9A4F070B-5D12-6641-B803-118F43FDD114}" presName="negativeSpace" presStyleCnt="0"/>
@@ -3827,6 +3861,13 @@
         </dgm:presLayoutVars>
       </dgm:prSet>
       <dgm:spPr/>
+      <dgm:t>
+        <a:bodyPr/>
+        <a:lstStyle/>
+        <a:p>
+          <a:endParaRPr lang="en-US"/>
+        </a:p>
+      </dgm:t>
     </dgm:pt>
     <dgm:pt modelId="{5A5F7E8C-9621-3647-B365-DCC5D320DB4A}" type="pres">
       <dgm:prSet presAssocID="{53251683-F66B-A54E-B482-A2ED77C30629}" presName="spaceBetweenRectangles" presStyleCnt="0"/>
@@ -3839,6 +3880,13 @@
     <dgm:pt modelId="{9CA58C75-72C6-DC42-89CA-A44AE5212C29}" type="pres">
       <dgm:prSet presAssocID="{C378BD32-8C5E-D14B-8851-DC24DF01A058}" presName="parentLeftMargin" presStyleLbl="node1" presStyleIdx="1" presStyleCnt="5"/>
       <dgm:spPr/>
+      <dgm:t>
+        <a:bodyPr/>
+        <a:lstStyle/>
+        <a:p>
+          <a:endParaRPr lang="en-US"/>
+        </a:p>
+      </dgm:t>
     </dgm:pt>
     <dgm:pt modelId="{19B5791D-CCD4-CF40-ADD1-3FC20470B7AC}" type="pres">
       <dgm:prSet presAssocID="{C378BD32-8C5E-D14B-8851-DC24DF01A058}" presName="parentText" presStyleLbl="node1" presStyleIdx="2" presStyleCnt="5">
@@ -3848,6 +3896,13 @@
         </dgm:presLayoutVars>
       </dgm:prSet>
       <dgm:spPr/>
+      <dgm:t>
+        <a:bodyPr/>
+        <a:lstStyle/>
+        <a:p>
+          <a:endParaRPr lang="en-US"/>
+        </a:p>
+      </dgm:t>
     </dgm:pt>
     <dgm:pt modelId="{E0907177-AD72-5349-817C-B38172088FD6}" type="pres">
       <dgm:prSet presAssocID="{C378BD32-8C5E-D14B-8851-DC24DF01A058}" presName="negativeSpace" presStyleCnt="0"/>
@@ -3860,6 +3915,13 @@
         </dgm:presLayoutVars>
       </dgm:prSet>
       <dgm:spPr/>
+      <dgm:t>
+        <a:bodyPr/>
+        <a:lstStyle/>
+        <a:p>
+          <a:endParaRPr lang="en-US"/>
+        </a:p>
+      </dgm:t>
     </dgm:pt>
     <dgm:pt modelId="{DFD708AD-331A-5642-AB6F-A9B2F70FD488}" type="pres">
       <dgm:prSet presAssocID="{EA380F1E-D752-3641-BDE9-562A2DFB808C}" presName="spaceBetweenRectangles" presStyleCnt="0"/>
@@ -3872,6 +3934,13 @@
     <dgm:pt modelId="{5D708300-2F5B-E146-9BB7-83C0325B0798}" type="pres">
       <dgm:prSet presAssocID="{57D155FB-3D9A-B14E-BEC9-2F9A07849EEC}" presName="parentLeftMargin" presStyleLbl="node1" presStyleIdx="2" presStyleCnt="5"/>
       <dgm:spPr/>
+      <dgm:t>
+        <a:bodyPr/>
+        <a:lstStyle/>
+        <a:p>
+          <a:endParaRPr lang="en-US"/>
+        </a:p>
+      </dgm:t>
     </dgm:pt>
     <dgm:pt modelId="{92678029-2EC1-6847-AD44-3125CD86FF87}" type="pres">
       <dgm:prSet presAssocID="{57D155FB-3D9A-B14E-BEC9-2F9A07849EEC}" presName="parentText" presStyleLbl="node1" presStyleIdx="3" presStyleCnt="5">
@@ -3881,6 +3950,13 @@
         </dgm:presLayoutVars>
       </dgm:prSet>
       <dgm:spPr/>
+      <dgm:t>
+        <a:bodyPr/>
+        <a:lstStyle/>
+        <a:p>
+          <a:endParaRPr lang="en-US"/>
+        </a:p>
+      </dgm:t>
     </dgm:pt>
     <dgm:pt modelId="{0623D86F-A12B-144D-95CA-E848566D3925}" type="pres">
       <dgm:prSet presAssocID="{57D155FB-3D9A-B14E-BEC9-2F9A07849EEC}" presName="negativeSpace" presStyleCnt="0"/>
@@ -3893,6 +3969,13 @@
         </dgm:presLayoutVars>
       </dgm:prSet>
       <dgm:spPr/>
+      <dgm:t>
+        <a:bodyPr/>
+        <a:lstStyle/>
+        <a:p>
+          <a:endParaRPr lang="en-US"/>
+        </a:p>
+      </dgm:t>
     </dgm:pt>
     <dgm:pt modelId="{A39D5151-8EA0-2049-9BE7-D024D7CFEA5C}" type="pres">
       <dgm:prSet presAssocID="{5947A389-83B2-294F-B8D6-3AD2EA053ACD}" presName="spaceBetweenRectangles" presStyleCnt="0"/>
@@ -3905,6 +3988,13 @@
     <dgm:pt modelId="{350F9D7E-E7EF-1A49-824F-7251CE007F96}" type="pres">
       <dgm:prSet presAssocID="{DB55DBBF-6567-EE44-BDC9-8F7A6B595AA4}" presName="parentLeftMargin" presStyleLbl="node1" presStyleIdx="3" presStyleCnt="5"/>
       <dgm:spPr/>
+      <dgm:t>
+        <a:bodyPr/>
+        <a:lstStyle/>
+        <a:p>
+          <a:endParaRPr lang="en-US"/>
+        </a:p>
+      </dgm:t>
     </dgm:pt>
     <dgm:pt modelId="{C877470D-0D41-7749-AA80-F6FB918165BA}" type="pres">
       <dgm:prSet presAssocID="{DB55DBBF-6567-EE44-BDC9-8F7A6B595AA4}" presName="parentText" presStyleLbl="node1" presStyleIdx="4" presStyleCnt="5">
@@ -3914,6 +4004,13 @@
         </dgm:presLayoutVars>
       </dgm:prSet>
       <dgm:spPr/>
+      <dgm:t>
+        <a:bodyPr/>
+        <a:lstStyle/>
+        <a:p>
+          <a:endParaRPr lang="en-US"/>
+        </a:p>
+      </dgm:t>
     </dgm:pt>
     <dgm:pt modelId="{F04CBE29-4ED6-0F41-812E-B3733E574444}" type="pres">
       <dgm:prSet presAssocID="{DB55DBBF-6567-EE44-BDC9-8F7A6B595AA4}" presName="negativeSpace" presStyleCnt="0"/>
@@ -3926,6 +4023,13 @@
         </dgm:presLayoutVars>
       </dgm:prSet>
       <dgm:spPr/>
+      <dgm:t>
+        <a:bodyPr/>
+        <a:lstStyle/>
+        <a:p>
+          <a:endParaRPr lang="en-US"/>
+        </a:p>
+      </dgm:t>
     </dgm:pt>
   </dgm:ptLst>
   <dgm:cxnLst>
@@ -4291,6 +4395,13 @@
         </dgm:presLayoutVars>
       </dgm:prSet>
       <dgm:spPr/>
+      <dgm:t>
+        <a:bodyPr/>
+        <a:lstStyle/>
+        <a:p>
+          <a:endParaRPr lang="en-US"/>
+        </a:p>
+      </dgm:t>
     </dgm:pt>
     <dgm:pt modelId="{85F6687F-1738-324C-8D01-D4227E83D09C}" type="pres">
       <dgm:prSet presAssocID="{36C9D516-0DAD-8D4E-AE3C-D31C4438D3AD}" presName="node" presStyleLbl="node1" presStyleIdx="0" presStyleCnt="4">
@@ -4299,14 +4410,35 @@
         </dgm:presLayoutVars>
       </dgm:prSet>
       <dgm:spPr/>
+      <dgm:t>
+        <a:bodyPr/>
+        <a:lstStyle/>
+        <a:p>
+          <a:endParaRPr lang="en-US"/>
+        </a:p>
+      </dgm:t>
     </dgm:pt>
     <dgm:pt modelId="{6076AD03-49F1-8349-981C-183E8D544576}" type="pres">
       <dgm:prSet presAssocID="{5004D5B6-679E-7245-A892-54DED28D3F3A}" presName="sibTrans" presStyleLbl="sibTrans1D1" presStyleIdx="0" presStyleCnt="3"/>
       <dgm:spPr/>
+      <dgm:t>
+        <a:bodyPr/>
+        <a:lstStyle/>
+        <a:p>
+          <a:endParaRPr lang="en-US"/>
+        </a:p>
+      </dgm:t>
     </dgm:pt>
     <dgm:pt modelId="{5FA407B2-E06F-CB47-8628-1797DB0C3BA4}" type="pres">
       <dgm:prSet presAssocID="{5004D5B6-679E-7245-A892-54DED28D3F3A}" presName="connectorText" presStyleLbl="sibTrans1D1" presStyleIdx="0" presStyleCnt="3"/>
       <dgm:spPr/>
+      <dgm:t>
+        <a:bodyPr/>
+        <a:lstStyle/>
+        <a:p>
+          <a:endParaRPr lang="en-US"/>
+        </a:p>
+      </dgm:t>
     </dgm:pt>
     <dgm:pt modelId="{A8CDFF1B-ADCE-B146-BCA3-365247B1DA5F}" type="pres">
       <dgm:prSet presAssocID="{378DAB9C-F552-4742-812D-A2C584CC5E4E}" presName="node" presStyleLbl="node1" presStyleIdx="1" presStyleCnt="4" custScaleX="105681">
@@ -4326,10 +4458,24 @@
     <dgm:pt modelId="{200EBB37-6281-F04C-8FBF-FFE0A6D8F683}" type="pres">
       <dgm:prSet presAssocID="{45091AA3-8AF9-AE49-A5FD-12834CEBE9F1}" presName="sibTrans" presStyleLbl="sibTrans1D1" presStyleIdx="1" presStyleCnt="3"/>
       <dgm:spPr/>
+      <dgm:t>
+        <a:bodyPr/>
+        <a:lstStyle/>
+        <a:p>
+          <a:endParaRPr lang="en-US"/>
+        </a:p>
+      </dgm:t>
     </dgm:pt>
     <dgm:pt modelId="{F1F182FB-E80E-ED45-99D8-C512AC1FBF31}" type="pres">
       <dgm:prSet presAssocID="{45091AA3-8AF9-AE49-A5FD-12834CEBE9F1}" presName="connectorText" presStyleLbl="sibTrans1D1" presStyleIdx="1" presStyleCnt="3"/>
       <dgm:spPr/>
+      <dgm:t>
+        <a:bodyPr/>
+        <a:lstStyle/>
+        <a:p>
+          <a:endParaRPr lang="en-US"/>
+        </a:p>
+      </dgm:t>
     </dgm:pt>
     <dgm:pt modelId="{AEC88B5E-4700-6044-9C1F-6A1400315285}" type="pres">
       <dgm:prSet presAssocID="{633AB993-F6D6-F340-873F-FD709B0F6FC4}" presName="node" presStyleLbl="node1" presStyleIdx="2" presStyleCnt="4">
@@ -4338,14 +4484,35 @@
         </dgm:presLayoutVars>
       </dgm:prSet>
       <dgm:spPr/>
+      <dgm:t>
+        <a:bodyPr/>
+        <a:lstStyle/>
+        <a:p>
+          <a:endParaRPr lang="en-US"/>
+        </a:p>
+      </dgm:t>
     </dgm:pt>
     <dgm:pt modelId="{ABFA4D73-26D4-074B-8506-04165AF56C2F}" type="pres">
       <dgm:prSet presAssocID="{B4347F3C-B57F-3342-AF60-BDC70B57349F}" presName="sibTrans" presStyleLbl="sibTrans1D1" presStyleIdx="2" presStyleCnt="3"/>
       <dgm:spPr/>
+      <dgm:t>
+        <a:bodyPr/>
+        <a:lstStyle/>
+        <a:p>
+          <a:endParaRPr lang="en-US"/>
+        </a:p>
+      </dgm:t>
     </dgm:pt>
     <dgm:pt modelId="{3072EAF8-ECC1-D744-831C-5B52C332D3A8}" type="pres">
       <dgm:prSet presAssocID="{B4347F3C-B57F-3342-AF60-BDC70B57349F}" presName="connectorText" presStyleLbl="sibTrans1D1" presStyleIdx="2" presStyleCnt="3"/>
       <dgm:spPr/>
+      <dgm:t>
+        <a:bodyPr/>
+        <a:lstStyle/>
+        <a:p>
+          <a:endParaRPr lang="en-US"/>
+        </a:p>
+      </dgm:t>
     </dgm:pt>
     <dgm:pt modelId="{4966338D-D1EC-494F-9AB4-13CE591A0078}" type="pres">
       <dgm:prSet presAssocID="{BD4D0BDC-C92B-264C-B680-91D4C66AFDD7}" presName="node" presStyleLbl="node1" presStyleIdx="3" presStyleCnt="4">
@@ -4354,29 +4521,36 @@
         </dgm:presLayoutVars>
       </dgm:prSet>
       <dgm:spPr/>
+      <dgm:t>
+        <a:bodyPr/>
+        <a:lstStyle/>
+        <a:p>
+          <a:endParaRPr lang="en-US"/>
+        </a:p>
+      </dgm:t>
     </dgm:pt>
   </dgm:ptLst>
   <dgm:cxnLst>
-    <dgm:cxn modelId="{6F6A995E-6BA2-1644-91DD-63B3970BEC66}" type="presOf" srcId="{36C9D516-0DAD-8D4E-AE3C-D31C4438D3AD}" destId="{85F6687F-1738-324C-8D01-D4227E83D09C}" srcOrd="0" destOrd="0" presId="urn:microsoft.com/office/officeart/2005/8/layout/bProcess3"/>
-    <dgm:cxn modelId="{69CF066B-8BB2-7B4A-B75E-6023E8A73732}" srcId="{0CA950AC-96A1-594F-9FFF-88B6CE96F535}" destId="{36C9D516-0DAD-8D4E-AE3C-D31C4438D3AD}" srcOrd="0" destOrd="0" parTransId="{5227964F-BA80-AA45-B6E0-C671409AAFE7}" sibTransId="{5004D5B6-679E-7245-A892-54DED28D3F3A}"/>
+    <dgm:cxn modelId="{E405AAD2-7E7A-294A-B296-28098B7B8523}" type="presOf" srcId="{0CA950AC-96A1-594F-9FFF-88B6CE96F535}" destId="{1B794C38-B33E-2449-9487-B33CDDF7407B}" srcOrd="0" destOrd="0" presId="urn:microsoft.com/office/officeart/2005/8/layout/bProcess3"/>
+    <dgm:cxn modelId="{EC162FDD-3DD9-BD4C-AD92-A2A9C0219C24}" type="presOf" srcId="{D2A9661F-DE88-9A46-8E4D-F2BE4B42EB09}" destId="{A8CDFF1B-ADCE-B146-BCA3-365247B1DA5F}" srcOrd="0" destOrd="2" presId="urn:microsoft.com/office/officeart/2005/8/layout/bProcess3"/>
+    <dgm:cxn modelId="{ED3BA971-42B3-E947-A181-36E6C8817619}" type="presOf" srcId="{B4E5F7C8-E415-204F-8205-98109F0C7150}" destId="{85F6687F-1738-324C-8D01-D4227E83D09C}" srcOrd="0" destOrd="1" presId="urn:microsoft.com/office/officeart/2005/8/layout/bProcess3"/>
+    <dgm:cxn modelId="{BD467E1E-E4EA-314A-BC7C-7712D9111539}" type="presOf" srcId="{5AD5C262-46B6-9247-83E4-969FB71CCA63}" destId="{A8CDFF1B-ADCE-B146-BCA3-365247B1DA5F}" srcOrd="0" destOrd="1" presId="urn:microsoft.com/office/officeart/2005/8/layout/bProcess3"/>
     <dgm:cxn modelId="{3D5E0D92-CAFC-3042-ADE4-777E754ABFAC}" type="presOf" srcId="{5004D5B6-679E-7245-A892-54DED28D3F3A}" destId="{6076AD03-49F1-8349-981C-183E8D544576}" srcOrd="0" destOrd="0" presId="urn:microsoft.com/office/officeart/2005/8/layout/bProcess3"/>
-    <dgm:cxn modelId="{66900C73-7BC1-A645-8DA6-BFD557A4E80D}" type="presOf" srcId="{45091AA3-8AF9-AE49-A5FD-12834CEBE9F1}" destId="{200EBB37-6281-F04C-8FBF-FFE0A6D8F683}" srcOrd="0" destOrd="0" presId="urn:microsoft.com/office/officeart/2005/8/layout/bProcess3"/>
-    <dgm:cxn modelId="{47D60EA6-B22E-FE4E-88A6-8545E5439B70}" type="presOf" srcId="{633AB993-F6D6-F340-873F-FD709B0F6FC4}" destId="{AEC88B5E-4700-6044-9C1F-6A1400315285}" srcOrd="0" destOrd="0" presId="urn:microsoft.com/office/officeart/2005/8/layout/bProcess3"/>
     <dgm:cxn modelId="{E2B1D8D2-B11F-104B-82C5-18BFEDBBA51E}" srcId="{378DAB9C-F552-4742-812D-A2C584CC5E4E}" destId="{5AD5C262-46B6-9247-83E4-969FB71CCA63}" srcOrd="0" destOrd="0" parTransId="{1C7FAA0D-6D17-0F4B-98CE-B8C56BFE0663}" sibTransId="{541FECB8-F888-EA4E-8D40-624984D60EDF}"/>
-    <dgm:cxn modelId="{E1C5A4CC-C527-A043-9E90-D5677A4CE0F4}" type="presOf" srcId="{378DAB9C-F552-4742-812D-A2C584CC5E4E}" destId="{A8CDFF1B-ADCE-B146-BCA3-365247B1DA5F}" srcOrd="0" destOrd="0" presId="urn:microsoft.com/office/officeart/2005/8/layout/bProcess3"/>
-    <dgm:cxn modelId="{BD467E1E-E4EA-314A-BC7C-7712D9111539}" type="presOf" srcId="{5AD5C262-46B6-9247-83E4-969FB71CCA63}" destId="{A8CDFF1B-ADCE-B146-BCA3-365247B1DA5F}" srcOrd="0" destOrd="1" presId="urn:microsoft.com/office/officeart/2005/8/layout/bProcess3"/>
-    <dgm:cxn modelId="{B1505CED-361A-114D-B4E7-D6465340EACD}" srcId="{0CA950AC-96A1-594F-9FFF-88B6CE96F535}" destId="{BD4D0BDC-C92B-264C-B680-91D4C66AFDD7}" srcOrd="3" destOrd="0" parTransId="{A452417A-5E32-3140-B6D6-0FAB2C3F9E15}" sibTransId="{D5ACC167-7DF6-474D-858A-689D22FA5FFC}"/>
-    <dgm:cxn modelId="{DC6F4ABC-F40B-FF47-A52F-537654CF0E1A}" type="presOf" srcId="{45091AA3-8AF9-AE49-A5FD-12834CEBE9F1}" destId="{F1F182FB-E80E-ED45-99D8-C512AC1FBF31}" srcOrd="1" destOrd="0" presId="urn:microsoft.com/office/officeart/2005/8/layout/bProcess3"/>
     <dgm:cxn modelId="{D851DCDD-0E9A-A144-AFDD-C8DC10BA2450}" type="presOf" srcId="{BD4D0BDC-C92B-264C-B680-91D4C66AFDD7}" destId="{4966338D-D1EC-494F-9AB4-13CE591A0078}" srcOrd="0" destOrd="0" presId="urn:microsoft.com/office/officeart/2005/8/layout/bProcess3"/>
     <dgm:cxn modelId="{5938D0B9-EEFA-DF4A-A405-E251D03940DC}" type="presOf" srcId="{B4347F3C-B57F-3342-AF60-BDC70B57349F}" destId="{ABFA4D73-26D4-074B-8506-04165AF56C2F}" srcOrd="0" destOrd="0" presId="urn:microsoft.com/office/officeart/2005/8/layout/bProcess3"/>
+    <dgm:cxn modelId="{6F6A995E-6BA2-1644-91DD-63B3970BEC66}" type="presOf" srcId="{36C9D516-0DAD-8D4E-AE3C-D31C4438D3AD}" destId="{85F6687F-1738-324C-8D01-D4227E83D09C}" srcOrd="0" destOrd="0" presId="urn:microsoft.com/office/officeart/2005/8/layout/bProcess3"/>
+    <dgm:cxn modelId="{DC6F4ABC-F40B-FF47-A52F-537654CF0E1A}" type="presOf" srcId="{45091AA3-8AF9-AE49-A5FD-12834CEBE9F1}" destId="{F1F182FB-E80E-ED45-99D8-C512AC1FBF31}" srcOrd="1" destOrd="0" presId="urn:microsoft.com/office/officeart/2005/8/layout/bProcess3"/>
+    <dgm:cxn modelId="{4DF54509-DBEE-C544-8D20-3B3A18E37E7C}" type="presOf" srcId="{B4347F3C-B57F-3342-AF60-BDC70B57349F}" destId="{3072EAF8-ECC1-D744-831C-5B52C332D3A8}" srcOrd="1" destOrd="0" presId="urn:microsoft.com/office/officeart/2005/8/layout/bProcess3"/>
+    <dgm:cxn modelId="{66900C73-7BC1-A645-8DA6-BFD557A4E80D}" type="presOf" srcId="{45091AA3-8AF9-AE49-A5FD-12834CEBE9F1}" destId="{200EBB37-6281-F04C-8FBF-FFE0A6D8F683}" srcOrd="0" destOrd="0" presId="urn:microsoft.com/office/officeart/2005/8/layout/bProcess3"/>
+    <dgm:cxn modelId="{0ABBE1C1-3097-F644-B92F-B98B2D586721}" srcId="{378DAB9C-F552-4742-812D-A2C584CC5E4E}" destId="{D2A9661F-DE88-9A46-8E4D-F2BE4B42EB09}" srcOrd="1" destOrd="0" parTransId="{A618E341-FD2F-CF44-93C7-C882CF32EE30}" sibTransId="{D3383FAA-7F43-4543-8BAE-DA923867FC75}"/>
+    <dgm:cxn modelId="{E1C5A4CC-C527-A043-9E90-D5677A4CE0F4}" type="presOf" srcId="{378DAB9C-F552-4742-812D-A2C584CC5E4E}" destId="{A8CDFF1B-ADCE-B146-BCA3-365247B1DA5F}" srcOrd="0" destOrd="0" presId="urn:microsoft.com/office/officeart/2005/8/layout/bProcess3"/>
     <dgm:cxn modelId="{C546D7CC-DCB4-1047-91D1-A82F3D723AC6}" type="presOf" srcId="{5004D5B6-679E-7245-A892-54DED28D3F3A}" destId="{5FA407B2-E06F-CB47-8628-1797DB0C3BA4}" srcOrd="1" destOrd="0" presId="urn:microsoft.com/office/officeart/2005/8/layout/bProcess3"/>
-    <dgm:cxn modelId="{E405AAD2-7E7A-294A-B296-28098B7B8523}" type="presOf" srcId="{0CA950AC-96A1-594F-9FFF-88B6CE96F535}" destId="{1B794C38-B33E-2449-9487-B33CDDF7407B}" srcOrd="0" destOrd="0" presId="urn:microsoft.com/office/officeart/2005/8/layout/bProcess3"/>
-    <dgm:cxn modelId="{0ABBE1C1-3097-F644-B92F-B98B2D586721}" srcId="{378DAB9C-F552-4742-812D-A2C584CC5E4E}" destId="{D2A9661F-DE88-9A46-8E4D-F2BE4B42EB09}" srcOrd="1" destOrd="0" parTransId="{A618E341-FD2F-CF44-93C7-C882CF32EE30}" sibTransId="{D3383FAA-7F43-4543-8BAE-DA923867FC75}"/>
-    <dgm:cxn modelId="{EC162FDD-3DD9-BD4C-AD92-A2A9C0219C24}" type="presOf" srcId="{D2A9661F-DE88-9A46-8E4D-F2BE4B42EB09}" destId="{A8CDFF1B-ADCE-B146-BCA3-365247B1DA5F}" srcOrd="0" destOrd="2" presId="urn:microsoft.com/office/officeart/2005/8/layout/bProcess3"/>
-    <dgm:cxn modelId="{ED3BA971-42B3-E947-A181-36E6C8817619}" type="presOf" srcId="{B4E5F7C8-E415-204F-8205-98109F0C7150}" destId="{85F6687F-1738-324C-8D01-D4227E83D09C}" srcOrd="0" destOrd="1" presId="urn:microsoft.com/office/officeart/2005/8/layout/bProcess3"/>
-    <dgm:cxn modelId="{4DF54509-DBEE-C544-8D20-3B3A18E37E7C}" type="presOf" srcId="{B4347F3C-B57F-3342-AF60-BDC70B57349F}" destId="{3072EAF8-ECC1-D744-831C-5B52C332D3A8}" srcOrd="1" destOrd="0" presId="urn:microsoft.com/office/officeart/2005/8/layout/bProcess3"/>
+    <dgm:cxn modelId="{9A436A59-216C-DC43-9B58-8C0990E30E2F}" srcId="{36C9D516-0DAD-8D4E-AE3C-D31C4438D3AD}" destId="{B4E5F7C8-E415-204F-8205-98109F0C7150}" srcOrd="0" destOrd="0" parTransId="{261DDBDB-9B94-E24F-9B1B-A6EA8A981628}" sibTransId="{A3A2A6E3-27ED-2C48-B637-97F64501A52D}"/>
+    <dgm:cxn modelId="{B1505CED-361A-114D-B4E7-D6465340EACD}" srcId="{0CA950AC-96A1-594F-9FFF-88B6CE96F535}" destId="{BD4D0BDC-C92B-264C-B680-91D4C66AFDD7}" srcOrd="3" destOrd="0" parTransId="{A452417A-5E32-3140-B6D6-0FAB2C3F9E15}" sibTransId="{D5ACC167-7DF6-474D-858A-689D22FA5FFC}"/>
     <dgm:cxn modelId="{72D3D5BB-EAB4-D148-8370-A9FE6F5084F4}" srcId="{0CA950AC-96A1-594F-9FFF-88B6CE96F535}" destId="{378DAB9C-F552-4742-812D-A2C584CC5E4E}" srcOrd="1" destOrd="0" parTransId="{D9B5F3AE-6E7F-BD4F-BDA8-F366A78F6C55}" sibTransId="{45091AA3-8AF9-AE49-A5FD-12834CEBE9F1}"/>
-    <dgm:cxn modelId="{9A436A59-216C-DC43-9B58-8C0990E30E2F}" srcId="{36C9D516-0DAD-8D4E-AE3C-D31C4438D3AD}" destId="{B4E5F7C8-E415-204F-8205-98109F0C7150}" srcOrd="0" destOrd="0" parTransId="{261DDBDB-9B94-E24F-9B1B-A6EA8A981628}" sibTransId="{A3A2A6E3-27ED-2C48-B637-97F64501A52D}"/>
+    <dgm:cxn modelId="{47D60EA6-B22E-FE4E-88A6-8545E5439B70}" type="presOf" srcId="{633AB993-F6D6-F340-873F-FD709B0F6FC4}" destId="{AEC88B5E-4700-6044-9C1F-6A1400315285}" srcOrd="0" destOrd="0" presId="urn:microsoft.com/office/officeart/2005/8/layout/bProcess3"/>
+    <dgm:cxn modelId="{69CF066B-8BB2-7B4A-B75E-6023E8A73732}" srcId="{0CA950AC-96A1-594F-9FFF-88B6CE96F535}" destId="{36C9D516-0DAD-8D4E-AE3C-D31C4438D3AD}" srcOrd="0" destOrd="0" parTransId="{5227964F-BA80-AA45-B6E0-C671409AAFE7}" sibTransId="{5004D5B6-679E-7245-A892-54DED28D3F3A}"/>
     <dgm:cxn modelId="{17609F1E-5050-E647-AA46-DECBE19CBE8C}" srcId="{0CA950AC-96A1-594F-9FFF-88B6CE96F535}" destId="{633AB993-F6D6-F340-873F-FD709B0F6FC4}" srcOrd="2" destOrd="0" parTransId="{7266F56A-9BCB-B248-9483-5DABB1F03D2A}" sibTransId="{B4347F3C-B57F-3342-AF60-BDC70B57349F}"/>
     <dgm:cxn modelId="{64B7237C-8A94-974C-914E-E8CF7F82628A}" type="presParOf" srcId="{1B794C38-B33E-2449-9487-B33CDDF7407B}" destId="{85F6687F-1738-324C-8D01-D4227E83D09C}" srcOrd="0" destOrd="0" presId="urn:microsoft.com/office/officeart/2005/8/layout/bProcess3"/>
     <dgm:cxn modelId="{C2BB3BE5-90E5-454F-9C51-F538E45B90FC}" type="presParOf" srcId="{1B794C38-B33E-2449-9487-B33CDDF7407B}" destId="{6076AD03-49F1-8349-981C-183E8D544576}" srcOrd="1" destOrd="0" presId="urn:microsoft.com/office/officeart/2005/8/layout/bProcess3"/>
@@ -4573,6 +4747,13 @@
         </dgm:presLayoutVars>
       </dgm:prSet>
       <dgm:spPr/>
+      <dgm:t>
+        <a:bodyPr/>
+        <a:lstStyle/>
+        <a:p>
+          <a:endParaRPr lang="en-US"/>
+        </a:p>
+      </dgm:t>
     </dgm:pt>
     <dgm:pt modelId="{8E2A31BB-0D47-5749-A084-ADF520DAFD71}" type="pres">
       <dgm:prSet presAssocID="{9043E9C6-D753-6C4D-9577-9A22BE91BA57}" presName="parentText" presStyleLbl="node1" presStyleIdx="0" presStyleCnt="4">
@@ -4582,6 +4763,13 @@
         </dgm:presLayoutVars>
       </dgm:prSet>
       <dgm:spPr/>
+      <dgm:t>
+        <a:bodyPr/>
+        <a:lstStyle/>
+        <a:p>
+          <a:endParaRPr lang="en-US"/>
+        </a:p>
+      </dgm:t>
     </dgm:pt>
     <dgm:pt modelId="{27D17475-DA81-B34D-81FD-0EC362E4C910}" type="pres">
       <dgm:prSet presAssocID="{3695B295-741B-4C42-9768-504AABCBC8B6}" presName="spacer" presStyleCnt="0"/>
@@ -4595,6 +4783,13 @@
         </dgm:presLayoutVars>
       </dgm:prSet>
       <dgm:spPr/>
+      <dgm:t>
+        <a:bodyPr/>
+        <a:lstStyle/>
+        <a:p>
+          <a:endParaRPr lang="en-US"/>
+        </a:p>
+      </dgm:t>
     </dgm:pt>
     <dgm:pt modelId="{4B1645C2-7AA1-C947-AB56-83A871F84AE8}" type="pres">
       <dgm:prSet presAssocID="{9F59D9C8-00D6-A14A-9999-8BF6AD8A695D}" presName="spacer" presStyleCnt="0"/>
@@ -4608,6 +4803,13 @@
         </dgm:presLayoutVars>
       </dgm:prSet>
       <dgm:spPr/>
+      <dgm:t>
+        <a:bodyPr/>
+        <a:lstStyle/>
+        <a:p>
+          <a:endParaRPr lang="en-US"/>
+        </a:p>
+      </dgm:t>
     </dgm:pt>
     <dgm:pt modelId="{9A174A44-551B-6149-AFE5-0ADF0AFC94A0}" type="pres">
       <dgm:prSet presAssocID="{8B48E7D4-7D1B-C147-AFA9-19B37889BA6F}" presName="spacer" presStyleCnt="0"/>
@@ -4621,6 +4823,13 @@
         </dgm:presLayoutVars>
       </dgm:prSet>
       <dgm:spPr/>
+      <dgm:t>
+        <a:bodyPr/>
+        <a:lstStyle/>
+        <a:p>
+          <a:endParaRPr lang="en-US"/>
+        </a:p>
+      </dgm:t>
     </dgm:pt>
   </dgm:ptLst>
   <dgm:cxnLst>
@@ -4863,6 +5072,13 @@
         </dgm:presLayoutVars>
       </dgm:prSet>
       <dgm:spPr/>
+      <dgm:t>
+        <a:bodyPr/>
+        <a:lstStyle/>
+        <a:p>
+          <a:endParaRPr lang="en-US"/>
+        </a:p>
+      </dgm:t>
     </dgm:pt>
     <dgm:pt modelId="{DF70FE3D-2010-734D-BE0A-294C926EE2A8}" type="pres">
       <dgm:prSet presAssocID="{0D242423-FE0E-2543-BFFC-4245A940A27D}" presName="parentText" presStyleLbl="node1" presStyleIdx="0" presStyleCnt="5">
@@ -4872,6 +5088,13 @@
         </dgm:presLayoutVars>
       </dgm:prSet>
       <dgm:spPr/>
+      <dgm:t>
+        <a:bodyPr/>
+        <a:lstStyle/>
+        <a:p>
+          <a:endParaRPr lang="en-US"/>
+        </a:p>
+      </dgm:t>
     </dgm:pt>
     <dgm:pt modelId="{CCC6BFCD-C42E-FF4D-A1C7-99895EAC2D1C}" type="pres">
       <dgm:prSet presAssocID="{C8B4F584-70D3-6E4A-9789-83DE3F36EA2F}" presName="spacer" presStyleCnt="0"/>
@@ -4885,6 +5108,13 @@
         </dgm:presLayoutVars>
       </dgm:prSet>
       <dgm:spPr/>
+      <dgm:t>
+        <a:bodyPr/>
+        <a:lstStyle/>
+        <a:p>
+          <a:endParaRPr lang="en-US"/>
+        </a:p>
+      </dgm:t>
     </dgm:pt>
     <dgm:pt modelId="{F32ADCCA-B5B1-A644-BFA8-EBAB50AB730B}" type="pres">
       <dgm:prSet presAssocID="{1A260F9C-A8FB-B64E-A242-3811D0BDA4FB}" presName="spacer" presStyleCnt="0"/>
@@ -4898,6 +5128,13 @@
         </dgm:presLayoutVars>
       </dgm:prSet>
       <dgm:spPr/>
+      <dgm:t>
+        <a:bodyPr/>
+        <a:lstStyle/>
+        <a:p>
+          <a:endParaRPr lang="en-US"/>
+        </a:p>
+      </dgm:t>
     </dgm:pt>
     <dgm:pt modelId="{2FAD7D25-06A9-404B-BC34-FCFA9999B23B}" type="pres">
       <dgm:prSet presAssocID="{F9D45D4E-F4B3-CE4C-AFC9-02EE07BBAF7C}" presName="spacer" presStyleCnt="0"/>
@@ -4941,17 +5178,17 @@
     </dgm:pt>
   </dgm:ptLst>
   <dgm:cxnLst>
+    <dgm:cxn modelId="{4C16686D-E745-4D4A-894A-5BD3AC7B5EBC}" srcId="{040C3E00-F2D6-7441-AADC-4ED4A6C5819B}" destId="{5418FC39-0A89-494D-BBF6-535FFE13E858}" srcOrd="2" destOrd="0" parTransId="{AF8D80AF-EFB5-614A-9EDF-5304B25514C3}" sibTransId="{F9D45D4E-F4B3-CE4C-AFC9-02EE07BBAF7C}"/>
+    <dgm:cxn modelId="{D89776F5-80AC-B34C-B5E5-41CD3DB4C338}" type="presOf" srcId="{8F99D970-DE07-394A-B40E-201B52987D99}" destId="{A26FFEC8-38F7-A740-8048-B84069A07280}" srcOrd="0" destOrd="0" presId="urn:microsoft.com/office/officeart/2005/8/layout/vList2"/>
+    <dgm:cxn modelId="{2433D3AD-E41F-9C47-B011-CC4E5496DDBB}" srcId="{040C3E00-F2D6-7441-AADC-4ED4A6C5819B}" destId="{0D242423-FE0E-2543-BFFC-4245A940A27D}" srcOrd="0" destOrd="0" parTransId="{3C55937B-9AA6-4346-9251-1679B4514504}" sibTransId="{C8B4F584-70D3-6E4A-9789-83DE3F36EA2F}"/>
+    <dgm:cxn modelId="{F900C5FA-D2FB-D244-A44B-D9A50B473E70}" type="presOf" srcId="{2C77277D-DDFA-1F45-8809-81F89C30C031}" destId="{3568BA8E-23E9-A143-B830-3A254223487B}" srcOrd="0" destOrd="0" presId="urn:microsoft.com/office/officeart/2005/8/layout/vList2"/>
+    <dgm:cxn modelId="{87AAE43C-CF77-794A-B767-AD05D87617CC}" type="presOf" srcId="{05D7F193-DD53-764E-ADB7-DA9EB15A89C5}" destId="{8749ACDE-9D54-FD47-A1ED-814547CBF345}" srcOrd="0" destOrd="0" presId="urn:microsoft.com/office/officeart/2005/8/layout/vList2"/>
+    <dgm:cxn modelId="{029CA7F2-75F9-6849-A481-AB607690E6AD}" srcId="{040C3E00-F2D6-7441-AADC-4ED4A6C5819B}" destId="{8F99D970-DE07-394A-B40E-201B52987D99}" srcOrd="4" destOrd="0" parTransId="{F6585129-87CE-9E47-BE5E-9FB510049BC6}" sibTransId="{8AE17FC4-1A56-5444-9A2B-F902684760EB}"/>
     <dgm:cxn modelId="{BF9BFCA7-9C83-C14B-8176-28FE5B757ED5}" srcId="{040C3E00-F2D6-7441-AADC-4ED4A6C5819B}" destId="{05D7F193-DD53-764E-ADB7-DA9EB15A89C5}" srcOrd="3" destOrd="0" parTransId="{90E408F3-877A-884B-B269-66C9E1F1650B}" sibTransId="{83521DB1-5F10-2A46-95D1-A0E92FC3DC86}"/>
+    <dgm:cxn modelId="{24849693-4762-C84F-ACBD-0A79E70C9335}" type="presOf" srcId="{040C3E00-F2D6-7441-AADC-4ED4A6C5819B}" destId="{06557242-9FC5-9D45-BB8D-33F458E74B97}" srcOrd="0" destOrd="0" presId="urn:microsoft.com/office/officeart/2005/8/layout/vList2"/>
     <dgm:cxn modelId="{E6AE144F-F44D-B745-B440-6B9A4979CD4B}" type="presOf" srcId="{0D242423-FE0E-2543-BFFC-4245A940A27D}" destId="{DF70FE3D-2010-734D-BE0A-294C926EE2A8}" srcOrd="0" destOrd="0" presId="urn:microsoft.com/office/officeart/2005/8/layout/vList2"/>
-    <dgm:cxn modelId="{4C16686D-E745-4D4A-894A-5BD3AC7B5EBC}" srcId="{040C3E00-F2D6-7441-AADC-4ED4A6C5819B}" destId="{5418FC39-0A89-494D-BBF6-535FFE13E858}" srcOrd="2" destOrd="0" parTransId="{AF8D80AF-EFB5-614A-9EDF-5304B25514C3}" sibTransId="{F9D45D4E-F4B3-CE4C-AFC9-02EE07BBAF7C}"/>
     <dgm:cxn modelId="{C806EA23-8658-9447-A2F0-94A16F721397}" type="presOf" srcId="{5418FC39-0A89-494D-BBF6-535FFE13E858}" destId="{EC36BEC3-D3CF-0449-A718-80AF889ACF6E}" srcOrd="0" destOrd="0" presId="urn:microsoft.com/office/officeart/2005/8/layout/vList2"/>
-    <dgm:cxn modelId="{2433D3AD-E41F-9C47-B011-CC4E5496DDBB}" srcId="{040C3E00-F2D6-7441-AADC-4ED4A6C5819B}" destId="{0D242423-FE0E-2543-BFFC-4245A940A27D}" srcOrd="0" destOrd="0" parTransId="{3C55937B-9AA6-4346-9251-1679B4514504}" sibTransId="{C8B4F584-70D3-6E4A-9789-83DE3F36EA2F}"/>
-    <dgm:cxn modelId="{87AAE43C-CF77-794A-B767-AD05D87617CC}" type="presOf" srcId="{05D7F193-DD53-764E-ADB7-DA9EB15A89C5}" destId="{8749ACDE-9D54-FD47-A1ED-814547CBF345}" srcOrd="0" destOrd="0" presId="urn:microsoft.com/office/officeart/2005/8/layout/vList2"/>
     <dgm:cxn modelId="{4A69A366-FA6E-F54B-925E-62E54F0E6F81}" srcId="{040C3E00-F2D6-7441-AADC-4ED4A6C5819B}" destId="{2C77277D-DDFA-1F45-8809-81F89C30C031}" srcOrd="1" destOrd="0" parTransId="{67981733-386B-984C-B65B-272A31193D50}" sibTransId="{1A260F9C-A8FB-B64E-A242-3811D0BDA4FB}"/>
-    <dgm:cxn modelId="{D89776F5-80AC-B34C-B5E5-41CD3DB4C338}" type="presOf" srcId="{8F99D970-DE07-394A-B40E-201B52987D99}" destId="{A26FFEC8-38F7-A740-8048-B84069A07280}" srcOrd="0" destOrd="0" presId="urn:microsoft.com/office/officeart/2005/8/layout/vList2"/>
-    <dgm:cxn modelId="{029CA7F2-75F9-6849-A481-AB607690E6AD}" srcId="{040C3E00-F2D6-7441-AADC-4ED4A6C5819B}" destId="{8F99D970-DE07-394A-B40E-201B52987D99}" srcOrd="4" destOrd="0" parTransId="{F6585129-87CE-9E47-BE5E-9FB510049BC6}" sibTransId="{8AE17FC4-1A56-5444-9A2B-F902684760EB}"/>
-    <dgm:cxn modelId="{24849693-4762-C84F-ACBD-0A79E70C9335}" type="presOf" srcId="{040C3E00-F2D6-7441-AADC-4ED4A6C5819B}" destId="{06557242-9FC5-9D45-BB8D-33F458E74B97}" srcOrd="0" destOrd="0" presId="urn:microsoft.com/office/officeart/2005/8/layout/vList2"/>
-    <dgm:cxn modelId="{F900C5FA-D2FB-D244-A44B-D9A50B473E70}" type="presOf" srcId="{2C77277D-DDFA-1F45-8809-81F89C30C031}" destId="{3568BA8E-23E9-A143-B830-3A254223487B}" srcOrd="0" destOrd="0" presId="urn:microsoft.com/office/officeart/2005/8/layout/vList2"/>
     <dgm:cxn modelId="{9B2C7321-E5B8-EC49-9C32-1C3BB7B6D3A9}" type="presParOf" srcId="{06557242-9FC5-9D45-BB8D-33F458E74B97}" destId="{DF70FE3D-2010-734D-BE0A-294C926EE2A8}" srcOrd="0" destOrd="0" presId="urn:microsoft.com/office/officeart/2005/8/layout/vList2"/>
     <dgm:cxn modelId="{577E31C2-059E-D84D-8ED2-A4CCAE11F918}" type="presParOf" srcId="{06557242-9FC5-9D45-BB8D-33F458E74B97}" destId="{CCC6BFCD-C42E-FF4D-A1C7-99895EAC2D1C}" srcOrd="1" destOrd="0" presId="urn:microsoft.com/office/officeart/2005/8/layout/vList2"/>
     <dgm:cxn modelId="{AC6B7830-9A3D-8941-BA5E-7AD023FE059A}" type="presParOf" srcId="{06557242-9FC5-9D45-BB8D-33F458E74B97}" destId="{3568BA8E-23E9-A143-B830-3A254223487B}" srcOrd="2" destOrd="0" presId="urn:microsoft.com/office/officeart/2005/8/layout/vList2"/>
@@ -13242,37 +13479,44 @@
           <a:p>
             <a:r>
               <a:rPr lang="en-US" dirty="0" smtClean="0"/>
-              <a:t>We support our claim with a case study that</a:t>
+              <a:t>Figure 1 shows a paper prototype showing how one of</a:t>
             </a:r>
           </a:p>
           <a:p>
             <a:r>
               <a:rPr lang="en-US" dirty="0" smtClean="0"/>
-              <a:t>describes how to implement the Writers Workshop</a:t>
-            </a:r>
+              <a:t>the “patterns of serendipity” that were collected by Van </a:t>
+            </a:r>
+            <a:r>
+              <a:rPr lang="en-US" dirty="0" err="1" smtClean="0"/>
+              <a:t>Andel</a:t>
+            </a:r>
+            <a:endParaRPr lang="en-US" dirty="0" smtClean="0"/>
           </a:p>
           <a:p>
             <a:r>
               <a:rPr lang="en-US" dirty="0" smtClean="0"/>
-              <a:t>model in a computational creativity system. We</a:t>
-            </a:r>
-          </a:p>
-          <a:p>
+              <a:t>(1994) might be </a:t>
+            </a:r>
+            <a:r>
+              <a:rPr lang="en-US" dirty="0" err="1" smtClean="0"/>
+              <a:t>modelled</a:t>
+            </a:r>
             <a:r>
               <a:rPr lang="en-US" dirty="0" smtClean="0"/>
-              <a:t>present this work using patterns other people can</a:t>
+              <a:t> in a workshop-like dialogue</a:t>
             </a:r>
           </a:p>
           <a:p>
             <a:r>
               <a:rPr lang="en-US" dirty="0" smtClean="0"/>
-              <a:t>follow to implement similar designs in their own</a:t>
+              <a:t>sequence. The patterns also help identify opportunities for</a:t>
             </a:r>
           </a:p>
           <a:p>
             <a:r>
               <a:rPr lang="en-US" dirty="0" smtClean="0"/>
-              <a:t>systems. </a:t>
+              <a:t>serendipity at several key steps in the workshop sequence.</a:t>
             </a:r>
             <a:endParaRPr lang="en-US" dirty="0"/>
           </a:p>
@@ -13610,45 +13854,16 @@
           <a:p>
             <a:r>
               <a:rPr lang="en-US" dirty="0" smtClean="0"/>
-              <a:t>Figure 1 shows a paper prototype showing how one of</a:t>
+              <a:t>We conclude by discussing the broader</a:t>
             </a:r>
           </a:p>
           <a:p>
             <a:r>
               <a:rPr lang="en-US" dirty="0" smtClean="0"/>
-              <a:t>the “patterns of serendipity” that were collected by Van </a:t>
-            </a:r>
-            <a:r>
-              <a:rPr lang="en-US" dirty="0" err="1" smtClean="0"/>
-              <a:t>Andel</a:t>
-            </a:r>
-            <a:endParaRPr lang="en-US" dirty="0" smtClean="0"/>
-          </a:p>
-          <a:p>
-            <a:r>
-              <a:rPr lang="en-US" dirty="0" smtClean="0"/>
-              <a:t>(1994) might be </a:t>
-            </a:r>
-            <a:r>
-              <a:rPr lang="en-US" dirty="0" err="1" smtClean="0"/>
-              <a:t>modelled</a:t>
-            </a:r>
-            <a:r>
-              <a:rPr lang="en-US" dirty="0" smtClean="0"/>
-              <a:t> in a workshop-like dialogue</a:t>
-            </a:r>
-          </a:p>
-          <a:p>
-            <a:r>
-              <a:rPr lang="en-US" dirty="0" smtClean="0"/>
-              <a:t>sequence. The patterns also help identify opportunities for</a:t>
-            </a:r>
-          </a:p>
-          <a:p>
-            <a:r>
-              <a:rPr lang="en-US" dirty="0" smtClean="0"/>
-              <a:t>serendipity at several key steps in the workshop sequence.</a:t>
-            </a:r>
+              <a:t>relevance of this model to other aspects of AI.</a:t>
+            </a:r>
+          </a:p>
+          <a:p>
             <a:endParaRPr lang="en-US" dirty="0"/>
           </a:p>
         </p:txBody>
@@ -13671,102 +13886,6 @@
             <a:fld id="{16975B83-4300-9C43-9A3C-6A7ACF2F4C48}" type="slidenum">
               <a:rPr lang="en-US" smtClean="0"/>
               <a:t>14</a:t>
-            </a:fld>
-            <a:endParaRPr lang="en-US"/>
-          </a:p>
-        </p:txBody>
-      </p:sp>
-    </p:spTree>
-    <p:extLst>
-      <p:ext uri="{BB962C8B-B14F-4D97-AF65-F5344CB8AC3E}">
-        <p14:creationId xmlns:p14="http://schemas.microsoft.com/office/powerpoint/2010/main" val="2439593050"/>
-      </p:ext>
-    </p:extLst>
-  </p:cSld>
-  <p:clrMapOvr>
-    <a:masterClrMapping/>
-  </p:clrMapOvr>
-</p:notes>
-</file>
-
-<file path=ppt/notesSlides/notesSlide15.xml><?xml version="1.0" encoding="utf-8"?>
-<p:notes xmlns:a="http://schemas.openxmlformats.org/drawingml/2006/main" xmlns:r="http://schemas.openxmlformats.org/officeDocument/2006/relationships" xmlns:p="http://schemas.openxmlformats.org/presentationml/2006/main">
-  <p:cSld>
-    <p:spTree>
-      <p:nvGrpSpPr>
-        <p:cNvPr id="1" name=""/>
-        <p:cNvGrpSpPr/>
-        <p:nvPr/>
-      </p:nvGrpSpPr>
-      <p:grpSpPr>
-        <a:xfrm>
-          <a:off x="0" y="0"/>
-          <a:ext cx="0" cy="0"/>
-          <a:chOff x="0" y="0"/>
-          <a:chExt cx="0" cy="0"/>
-        </a:xfrm>
-      </p:grpSpPr>
-      <p:sp>
-        <p:nvSpPr>
-          <p:cNvPr id="2" name="Slide Image Placeholder 1"/>
-          <p:cNvSpPr>
-            <a:spLocks noGrp="1" noRot="1" noChangeAspect="1"/>
-          </p:cNvSpPr>
-          <p:nvPr>
-            <p:ph type="sldImg"/>
-          </p:nvPr>
-        </p:nvSpPr>
-        <p:spPr/>
-      </p:sp>
-      <p:sp>
-        <p:nvSpPr>
-          <p:cNvPr id="3" name="Notes Placeholder 2"/>
-          <p:cNvSpPr>
-            <a:spLocks noGrp="1"/>
-          </p:cNvSpPr>
-          <p:nvPr>
-            <p:ph type="body" idx="1"/>
-          </p:nvPr>
-        </p:nvSpPr>
-        <p:spPr/>
-        <p:txBody>
-          <a:bodyPr/>
-          <a:lstStyle/>
-          <a:p>
-            <a:r>
-              <a:rPr lang="en-US" dirty="0" smtClean="0"/>
-              <a:t>We conclude by discussing the broader</a:t>
-            </a:r>
-          </a:p>
-          <a:p>
-            <a:r>
-              <a:rPr lang="en-US" dirty="0" smtClean="0"/>
-              <a:t>relevance of this model to other aspects of AI.</a:t>
-            </a:r>
-          </a:p>
-          <a:p>
-            <a:endParaRPr lang="en-US" dirty="0"/>
-          </a:p>
-        </p:txBody>
-      </p:sp>
-      <p:sp>
-        <p:nvSpPr>
-          <p:cNvPr id="4" name="Slide Number Placeholder 3"/>
-          <p:cNvSpPr>
-            <a:spLocks noGrp="1"/>
-          </p:cNvSpPr>
-          <p:nvPr>
-            <p:ph type="sldNum" sz="quarter" idx="10"/>
-          </p:nvPr>
-        </p:nvSpPr>
-        <p:spPr/>
-        <p:txBody>
-          <a:bodyPr/>
-          <a:lstStyle/>
-          <a:p>
-            <a:fld id="{16975B83-4300-9C43-9A3C-6A7ACF2F4C48}" type="slidenum">
-              <a:rPr lang="en-US" smtClean="0"/>
-              <a:t>15</a:t>
             </a:fld>
             <a:endParaRPr lang="en-US"/>
           </a:p>
@@ -14197,11 +14316,7 @@
           <a:p>
             <a:r>
               <a:rPr lang="en-US" dirty="0" smtClean="0"/>
-              <a:t>systems. </a:t>
-            </a:r>
-            <a:r>
-              <a:rPr lang="en-US" dirty="0" smtClean="0"/>
-              <a:t>We argue that the Writers Workshop</a:t>
+              <a:t>systems. We argue that the Writers Workshop</a:t>
             </a:r>
           </a:p>
           <a:p>
@@ -14465,7 +14580,6 @@
               <a:rPr lang="en-US" sz="1200" dirty="0" smtClean="0"/>
               <a:t>next few lines of the poem. </a:t>
             </a:r>
-            <a:endParaRPr lang="en-US" sz="1200" dirty="0" smtClean="0"/>
           </a:p>
         </p:txBody>
       </p:sp>
@@ -14574,7 +14688,6 @@
               <a:rPr lang="en-US" sz="1200" dirty="0" smtClean="0"/>
               <a:t>next few lines of the poem. </a:t>
             </a:r>
-            <a:endParaRPr lang="en-US" sz="1200" dirty="0" smtClean="0"/>
           </a:p>
         </p:txBody>
       </p:sp>
@@ -17776,7 +17889,7 @@
           <a:p>
             <a:r>
               <a:rPr lang="en-US" dirty="0" smtClean="0"/>
-              <a:t>Evaluation: Using Patterns</a:t>
+              <a:t>Evaluation of Writers Workshop</a:t>
             </a:r>
             <a:endParaRPr lang="en-US" dirty="0"/>
           </a:p>
@@ -17828,124 +17941,6 @@
           <a:p>
             <a:r>
               <a:rPr lang="en-US" dirty="0" smtClean="0"/>
-              <a:t>In the workshop setting, learning can develop in a number of unexpected ways. </a:t>
-            </a:r>
-          </a:p>
-          <a:p>
-            <a:r>
-              <a:rPr lang="en-US" dirty="0" smtClean="0"/>
-              <a:t>One way to evaluate the idea of a Writers Workshop is to ask whether it can support learning that is in some sense serendipitous</a:t>
-            </a:r>
-          </a:p>
-          <a:p>
-            <a:pPr lvl="1"/>
-            <a:r>
-              <a:rPr lang="en-US" dirty="0" smtClean="0"/>
-              <a:t>Can WW support discovery/creative invention that we couldn’t plan for or orchestrate another way?</a:t>
-            </a:r>
-            <a:endParaRPr lang="en-US" dirty="0"/>
-          </a:p>
-        </p:txBody>
-      </p:sp>
-    </p:spTree>
-    <p:extLst>
-      <p:ext uri="{BB962C8B-B14F-4D97-AF65-F5344CB8AC3E}">
-        <p14:creationId xmlns:p14="http://schemas.microsoft.com/office/powerpoint/2010/main" val="1339638416"/>
-      </p:ext>
-    </p:extLst>
-  </p:cSld>
-  <p:clrMapOvr>
-    <a:masterClrMapping/>
-  </p:clrMapOvr>
-</p:sld>
-</file>
-
-<file path=ppt/slides/slide11.xml><?xml version="1.0" encoding="utf-8"?>
-<p:sld xmlns:a="http://schemas.openxmlformats.org/drawingml/2006/main" xmlns:r="http://schemas.openxmlformats.org/officeDocument/2006/relationships" xmlns:p="http://schemas.openxmlformats.org/presentationml/2006/main">
-  <p:cSld>
-    <p:spTree>
-      <p:nvGrpSpPr>
-        <p:cNvPr id="1" name=""/>
-        <p:cNvGrpSpPr/>
-        <p:nvPr/>
-      </p:nvGrpSpPr>
-      <p:grpSpPr>
-        <a:xfrm>
-          <a:off x="0" y="0"/>
-          <a:ext cx="0" cy="0"/>
-          <a:chOff x="0" y="0"/>
-          <a:chExt cx="0" cy="0"/>
-        </a:xfrm>
-      </p:grpSpPr>
-      <p:sp>
-        <p:nvSpPr>
-          <p:cNvPr id="2" name="Title 1"/>
-          <p:cNvSpPr>
-            <a:spLocks noGrp="1"/>
-          </p:cNvSpPr>
-          <p:nvPr>
-            <p:ph type="title"/>
-          </p:nvPr>
-        </p:nvSpPr>
-        <p:spPr/>
-        <p:txBody>
-          <a:bodyPr/>
-          <a:lstStyle/>
-          <a:p>
-            <a:r>
-              <a:rPr lang="en-US" dirty="0" smtClean="0"/>
-              <a:t>Evaluation of Writers Workshop</a:t>
-            </a:r>
-            <a:endParaRPr lang="en-US" dirty="0"/>
-          </a:p>
-        </p:txBody>
-      </p:sp>
-      <p:sp>
-        <p:nvSpPr>
-          <p:cNvPr id="3" name="Content Placeholder 2"/>
-          <p:cNvSpPr>
-            <a:spLocks noGrp="1"/>
-          </p:cNvSpPr>
-          <p:nvPr>
-            <p:ph idx="1"/>
-          </p:nvPr>
-        </p:nvSpPr>
-        <p:spPr>
-          <a:xfrm>
-            <a:off x="301625" y="1417638"/>
-            <a:ext cx="8575675" cy="5202237"/>
-          </a:xfrm>
-        </p:spPr>
-        <p:txBody>
-          <a:bodyPr>
-            <a:noAutofit/>
-          </a:bodyPr>
-          <a:lstStyle/>
-          <a:p>
-            <a:r>
-              <a:rPr lang="en-US" dirty="0" smtClean="0"/>
-              <a:t>Learning involves engaging with the unknown, unfamiliar, or unexpected and </a:t>
-            </a:r>
-            <a:r>
-              <a:rPr lang="en-US" dirty="0" err="1" smtClean="0"/>
-              <a:t>synthesising</a:t>
-            </a:r>
-            <a:r>
-              <a:rPr lang="en-US" dirty="0" smtClean="0"/>
-              <a:t> new understanding (</a:t>
-            </a:r>
-            <a:r>
-              <a:rPr lang="en-US" dirty="0" err="1" smtClean="0"/>
-              <a:t>Deleuze</a:t>
-            </a:r>
-            <a:r>
-              <a:rPr lang="en-US" dirty="0" smtClean="0"/>
-              <a:t>, 2004 [1968]). </a:t>
-            </a:r>
-          </a:p>
-          <a:p>
-            <a:r>
-              <a:rPr lang="en-US" dirty="0" smtClean="0"/>
               <a:t>In WW, learning can develop in surprising ways. </a:t>
             </a:r>
           </a:p>
@@ -17993,7 +17988,7 @@
 </p:sld>
 </file>
 
-<file path=ppt/slides/slide12.xml><?xml version="1.0" encoding="utf-8"?>
+<file path=ppt/slides/slide11.xml><?xml version="1.0" encoding="utf-8"?>
 <p:sld xmlns:a="http://schemas.openxmlformats.org/drawingml/2006/main" xmlns:r="http://schemas.openxmlformats.org/officeDocument/2006/relationships" xmlns:p="http://schemas.openxmlformats.org/presentationml/2006/main">
   <p:cSld>
     <p:spTree>
@@ -18110,7 +18105,7 @@
 </p:sld>
 </file>
 
-<file path=ppt/slides/slide13.xml><?xml version="1.0" encoding="utf-8"?>
+<file path=ppt/slides/slide12.xml><?xml version="1.0" encoding="utf-8"?>
 <p:sld xmlns:a="http://schemas.openxmlformats.org/drawingml/2006/main" xmlns:r="http://schemas.openxmlformats.org/officeDocument/2006/relationships" xmlns:p="http://schemas.openxmlformats.org/presentationml/2006/main">
   <p:cSld>
     <p:spTree>
@@ -18243,7 +18238,7 @@
 </p:sld>
 </file>
 
-<file path=ppt/slides/slide14.xml><?xml version="1.0" encoding="utf-8"?>
+<file path=ppt/slides/slide13.xml><?xml version="1.0" encoding="utf-8"?>
 <p:sld xmlns:a="http://schemas.openxmlformats.org/drawingml/2006/main" xmlns:r="http://schemas.openxmlformats.org/officeDocument/2006/relationships" xmlns:p="http://schemas.openxmlformats.org/presentationml/2006/main">
   <p:cSld>
     <p:spTree>
@@ -18378,7 +18373,7 @@
 </p:sld>
 </file>
 
-<file path=ppt/slides/slide15.xml><?xml version="1.0" encoding="utf-8"?>
+<file path=ppt/slides/slide14.xml><?xml version="1.0" encoding="utf-8"?>
 <p:sld xmlns:a="http://schemas.openxmlformats.org/drawingml/2006/main" xmlns:r="http://schemas.openxmlformats.org/officeDocument/2006/relationships" xmlns:p="http://schemas.openxmlformats.org/presentationml/2006/main">
   <p:cSld>
     <p:spTree>
@@ -18600,15 +18595,7 @@
           <a:p>
             <a:r>
               <a:rPr lang="en-US" dirty="0" smtClean="0"/>
-              <a:t>We propose Writers Workshops as a roadmap for </a:t>
-            </a:r>
-            <a:r>
-              <a:rPr lang="en-US" dirty="0" smtClean="0"/>
-              <a:t>incorporating feedback in </a:t>
-            </a:r>
-            <a:r>
-              <a:rPr lang="en-US" dirty="0" smtClean="0"/>
-              <a:t>creative systems</a:t>
+              <a:t>We propose Writers Workshops as a roadmap for incorporating feedback in creative systems</a:t>
             </a:r>
             <a:endParaRPr lang="en-US" dirty="0"/>
           </a:p>
@@ -19055,11 +19042,7 @@
           <a:p>
             <a:r>
               <a:rPr lang="en-US" sz="3600" dirty="0" smtClean="0"/>
-              <a:t>Example: </a:t>
-            </a:r>
-            <a:r>
-              <a:rPr lang="en-US" sz="3600" dirty="0" smtClean="0"/>
-              <a:t>“On Being Malevolent” </a:t>
+              <a:t>Example: “On Being Malevolent” </a:t>
             </a:r>
             <a:br>
               <a:rPr lang="en-US" sz="3600" dirty="0" smtClean="0"/>
@@ -19219,11 +19202,7 @@
           <a:p>
             <a:r>
               <a:rPr lang="en-US" sz="3600" dirty="0" smtClean="0"/>
-              <a:t>Example: </a:t>
-            </a:r>
-            <a:r>
-              <a:rPr lang="en-US" sz="3600" dirty="0" smtClean="0"/>
-              <a:t>“On Being Malevolent” </a:t>
+              <a:t>Example: “On Being Malevolent” </a:t>
             </a:r>
             <a:br>
               <a:rPr lang="en-US" sz="3600" dirty="0" smtClean="0"/>
